--- a/projectStudent/QuanTune_Islam_Rahman/Quantune-Agm-Shahidur.pptx
+++ b/projectStudent/QuanTune_Islam_Rahman/Quantune-Agm-Shahidur.pptx
@@ -170,12 +170,12 @@
   <pc:docChgLst>
     <pc:chgData name="Md Shahidur Rahaman" userId="3bb416aa1813d4ea" providerId="LiveId" clId="{525CBC88-36A8-40E6-8D9D-FAEC1D8ED50E}"/>
     <pc:docChg chg="undo custSel addSld delSld modSld modSection">
-      <pc:chgData name="Md Shahidur Rahaman" userId="3bb416aa1813d4ea" providerId="LiveId" clId="{525CBC88-36A8-40E6-8D9D-FAEC1D8ED50E}" dt="2022-08-09T21:25:19.275" v="1419"/>
+      <pc:chgData name="Md Shahidur Rahaman" userId="3bb416aa1813d4ea" providerId="LiveId" clId="{525CBC88-36A8-40E6-8D9D-FAEC1D8ED50E}" dt="2022-08-10T21:47:40.277" v="1476"/>
       <pc:docMkLst>
         <pc:docMk/>
       </pc:docMkLst>
       <pc:sldChg chg="addSp delSp modSp mod setBg">
-        <pc:chgData name="Md Shahidur Rahaman" userId="3bb416aa1813d4ea" providerId="LiveId" clId="{525CBC88-36A8-40E6-8D9D-FAEC1D8ED50E}" dt="2022-08-09T21:25:19.275" v="1419"/>
+        <pc:chgData name="Md Shahidur Rahaman" userId="3bb416aa1813d4ea" providerId="LiveId" clId="{525CBC88-36A8-40E6-8D9D-FAEC1D8ED50E}" dt="2022-08-10T01:49:40.010" v="1438" actId="1076"/>
         <pc:sldMkLst>
           <pc:docMk/>
           <pc:sldMk cId="3776999064" sldId="257"/>
@@ -196,6 +196,14 @@
             <ac:spMk id="4" creationId="{B6101E82-A3DE-4B63-8834-D154979A354B}"/>
           </ac:spMkLst>
         </pc:spChg>
+        <pc:spChg chg="add mod">
+          <ac:chgData name="Md Shahidur Rahaman" userId="3bb416aa1813d4ea" providerId="LiveId" clId="{525CBC88-36A8-40E6-8D9D-FAEC1D8ED50E}" dt="2022-08-10T01:49:40.010" v="1438" actId="1076"/>
+          <ac:spMkLst>
+            <pc:docMk/>
+            <pc:sldMk cId="3776999064" sldId="257"/>
+            <ac:spMk id="5" creationId="{E5B4DFED-C375-4DCC-BF07-5BC2DC0421DE}"/>
+          </ac:spMkLst>
+        </pc:spChg>
         <pc:picChg chg="add del mod">
           <ac:chgData name="Md Shahidur Rahaman" userId="3bb416aa1813d4ea" providerId="LiveId" clId="{525CBC88-36A8-40E6-8D9D-FAEC1D8ED50E}" dt="2022-08-09T21:25:18.824" v="1418"/>
           <ac:picMkLst>
@@ -214,13 +222,13 @@
         </pc:picChg>
       </pc:sldChg>
       <pc:sldChg chg="addSp delSp modSp mod">
-        <pc:chgData name="Md Shahidur Rahaman" userId="3bb416aa1813d4ea" providerId="LiveId" clId="{525CBC88-36A8-40E6-8D9D-FAEC1D8ED50E}" dt="2022-08-09T21:22:47.286" v="1391" actId="1076"/>
+        <pc:chgData name="Md Shahidur Rahaman" userId="3bb416aa1813d4ea" providerId="LiveId" clId="{525CBC88-36A8-40E6-8D9D-FAEC1D8ED50E}" dt="2022-08-10T06:49:28.916" v="1475" actId="478"/>
         <pc:sldMkLst>
           <pc:docMk/>
           <pc:sldMk cId="827242625" sldId="261"/>
         </pc:sldMkLst>
         <pc:graphicFrameChg chg="mod">
-          <ac:chgData name="Md Shahidur Rahaman" userId="3bb416aa1813d4ea" providerId="LiveId" clId="{525CBC88-36A8-40E6-8D9D-FAEC1D8ED50E}" dt="2022-08-09T20:00:53.480" v="101" actId="20577"/>
+          <ac:chgData name="Md Shahidur Rahaman" userId="3bb416aa1813d4ea" providerId="LiveId" clId="{525CBC88-36A8-40E6-8D9D-FAEC1D8ED50E}" dt="2022-08-10T06:49:28.916" v="1475" actId="478"/>
           <ac:graphicFrameMkLst>
             <pc:docMk/>
             <pc:sldMk cId="827242625" sldId="261"/>
@@ -1306,13 +1314,13 @@
         </pc:sldMkLst>
       </pc:sldChg>
       <pc:sldChg chg="addSp delSp modSp add mod">
-        <pc:chgData name="Md Shahidur Rahaman" userId="3bb416aa1813d4ea" providerId="LiveId" clId="{525CBC88-36A8-40E6-8D9D-FAEC1D8ED50E}" dt="2022-08-09T21:23:04.515" v="1398"/>
+        <pc:chgData name="Md Shahidur Rahaman" userId="3bb416aa1813d4ea" providerId="LiveId" clId="{525CBC88-36A8-40E6-8D9D-FAEC1D8ED50E}" dt="2022-08-10T21:47:40.277" v="1476"/>
         <pc:sldMkLst>
           <pc:docMk/>
           <pc:sldMk cId="290039004" sldId="311"/>
         </pc:sldMkLst>
         <pc:spChg chg="mod">
-          <ac:chgData name="Md Shahidur Rahaman" userId="3bb416aa1813d4ea" providerId="LiveId" clId="{525CBC88-36A8-40E6-8D9D-FAEC1D8ED50E}" dt="2022-08-09T21:05:54.842" v="995" actId="20577"/>
+          <ac:chgData name="Md Shahidur Rahaman" userId="3bb416aa1813d4ea" providerId="LiveId" clId="{525CBC88-36A8-40E6-8D9D-FAEC1D8ED50E}" dt="2022-08-10T01:51:20.834" v="1457" actId="20577"/>
           <ac:spMkLst>
             <pc:docMk/>
             <pc:sldMk cId="290039004" sldId="311"/>
@@ -1336,7 +1344,7 @@
           </ac:spMkLst>
         </pc:spChg>
         <pc:spChg chg="add mod">
-          <ac:chgData name="Md Shahidur Rahaman" userId="3bb416aa1813d4ea" providerId="LiveId" clId="{525CBC88-36A8-40E6-8D9D-FAEC1D8ED50E}" dt="2022-08-09T21:11:11.381" v="1325" actId="1076"/>
+          <ac:chgData name="Md Shahidur Rahaman" userId="3bb416aa1813d4ea" providerId="LiveId" clId="{525CBC88-36A8-40E6-8D9D-FAEC1D8ED50E}" dt="2022-08-10T21:47:40.277" v="1476"/>
           <ac:spMkLst>
             <pc:docMk/>
             <pc:sldMk cId="290039004" sldId="311"/>
@@ -2334,59 +2342,6 @@
         </a:p>
       </dgm:t>
     </dgm:pt>
-    <dgm:pt modelId="{B3A5157E-7678-4590-952C-564E2EF4DE88}">
-      <dgm:prSet phldrT="[Text]">
-        <dgm:style>
-          <a:lnRef idx="2">
-            <a:schemeClr val="accent3">
-              <a:shade val="50000"/>
-            </a:schemeClr>
-          </a:lnRef>
-          <a:fillRef idx="1">
-            <a:schemeClr val="accent3"/>
-          </a:fillRef>
-          <a:effectRef idx="0">
-            <a:schemeClr val="accent3"/>
-          </a:effectRef>
-          <a:fontRef idx="minor">
-            <a:schemeClr val="lt1"/>
-          </a:fontRef>
-        </dgm:style>
-      </dgm:prSet>
-      <dgm:spPr/>
-      <dgm:t>
-        <a:bodyPr/>
-        <a:lstStyle/>
-        <a:p>
-          <a:r>
-            <a:rPr lang="en-MY" dirty="0"/>
-            <a:t>Problem Statement</a:t>
-          </a:r>
-        </a:p>
-      </dgm:t>
-    </dgm:pt>
-    <dgm:pt modelId="{7F1D5D41-4981-4CF3-9D93-50F294D7FB55}" type="parTrans" cxnId="{2BBE7F05-1CB2-4930-82EB-FF5588392BB8}">
-      <dgm:prSet/>
-      <dgm:spPr/>
-      <dgm:t>
-        <a:bodyPr/>
-        <a:lstStyle/>
-        <a:p>
-          <a:endParaRPr lang="en-MY"/>
-        </a:p>
-      </dgm:t>
-    </dgm:pt>
-    <dgm:pt modelId="{CCD21603-E910-4FFE-9C6C-955228AFAC72}" type="sibTrans" cxnId="{2BBE7F05-1CB2-4930-82EB-FF5588392BB8}">
-      <dgm:prSet/>
-      <dgm:spPr/>
-      <dgm:t>
-        <a:bodyPr/>
-        <a:lstStyle/>
-        <a:p>
-          <a:endParaRPr lang="en-MY"/>
-        </a:p>
-      </dgm:t>
-    </dgm:pt>
     <dgm:pt modelId="{2578AD63-8729-48E4-BA18-FF55668BCD8D}">
       <dgm:prSet phldrT="[Text]">
         <dgm:style>
@@ -2518,9 +2473,10 @@
         <a:lstStyle/>
         <a:p>
           <a:r>
-            <a:rPr lang="en-MY" dirty="0"/>
-            <a:t>Implementation</a:t>
+            <a:rPr lang="en-MY"/>
+            <a:t>Application</a:t>
           </a:r>
+          <a:endParaRPr lang="en-MY" dirty="0"/>
         </a:p>
       </dgm:t>
     </dgm:pt>
@@ -2565,7 +2521,7 @@
       <dgm:spPr/>
     </dgm:pt>
     <dgm:pt modelId="{ACC84866-2922-4955-B091-5B361342D639}" type="pres">
-      <dgm:prSet presAssocID="{899C4897-9731-466C-B774-BCEF5172286B}" presName="srcNode" presStyleLbl="node1" presStyleIdx="0" presStyleCnt="5"/>
+      <dgm:prSet presAssocID="{899C4897-9731-466C-B774-BCEF5172286B}" presName="srcNode" presStyleLbl="node1" presStyleIdx="0" presStyleCnt="4"/>
       <dgm:spPr/>
     </dgm:pt>
     <dgm:pt modelId="{18E981F7-13BA-449E-AE6E-F9370F6F0855}" type="pres">
@@ -2573,15 +2529,15 @@
       <dgm:spPr/>
     </dgm:pt>
     <dgm:pt modelId="{FD74C3DC-F12A-4C49-AB2B-98878358E41D}" type="pres">
-      <dgm:prSet presAssocID="{899C4897-9731-466C-B774-BCEF5172286B}" presName="extraNode" presStyleLbl="node1" presStyleIdx="0" presStyleCnt="5"/>
+      <dgm:prSet presAssocID="{899C4897-9731-466C-B774-BCEF5172286B}" presName="extraNode" presStyleLbl="node1" presStyleIdx="0" presStyleCnt="4"/>
       <dgm:spPr/>
     </dgm:pt>
     <dgm:pt modelId="{4EEAF79A-D674-409E-9461-8E2CBFED11ED}" type="pres">
-      <dgm:prSet presAssocID="{899C4897-9731-466C-B774-BCEF5172286B}" presName="dstNode" presStyleLbl="node1" presStyleIdx="0" presStyleCnt="5"/>
+      <dgm:prSet presAssocID="{899C4897-9731-466C-B774-BCEF5172286B}" presName="dstNode" presStyleLbl="node1" presStyleIdx="0" presStyleCnt="4"/>
       <dgm:spPr/>
     </dgm:pt>
     <dgm:pt modelId="{38E01CD0-88B3-4FBF-A324-51E1FA8CED60}" type="pres">
-      <dgm:prSet presAssocID="{AF4B0043-8993-48F0-ABF7-8308FD2CBFF1}" presName="text_1" presStyleLbl="node1" presStyleIdx="0" presStyleCnt="5">
+      <dgm:prSet presAssocID="{AF4B0043-8993-48F0-ABF7-8308FD2CBFF1}" presName="text_1" presStyleLbl="node1" presStyleIdx="0" presStyleCnt="4">
         <dgm:presLayoutVars>
           <dgm:bulletEnabled val="1"/>
         </dgm:presLayoutVars>
@@ -2593,87 +2549,69 @@
       <dgm:spPr/>
     </dgm:pt>
     <dgm:pt modelId="{379B3333-B5F1-4797-A6CF-173B65E6EB25}" type="pres">
-      <dgm:prSet presAssocID="{AF4B0043-8993-48F0-ABF7-8308FD2CBFF1}" presName="accentRepeatNode" presStyleLbl="solidFgAcc1" presStyleIdx="0" presStyleCnt="5"/>
+      <dgm:prSet presAssocID="{AF4B0043-8993-48F0-ABF7-8308FD2CBFF1}" presName="accentRepeatNode" presStyleLbl="solidFgAcc1" presStyleIdx="0" presStyleCnt="4"/>
       <dgm:spPr/>
     </dgm:pt>
-    <dgm:pt modelId="{AA2CBA7B-0EEE-4389-ACFD-32A46E959222}" type="pres">
-      <dgm:prSet presAssocID="{B3A5157E-7678-4590-952C-564E2EF4DE88}" presName="text_2" presStyleLbl="node1" presStyleIdx="1" presStyleCnt="5">
+    <dgm:pt modelId="{166829DF-3E0E-454C-B728-11393CA3DD5B}" type="pres">
+      <dgm:prSet presAssocID="{2578AD63-8729-48E4-BA18-FF55668BCD8D}" presName="text_2" presStyleLbl="node1" presStyleIdx="1" presStyleCnt="4">
         <dgm:presLayoutVars>
           <dgm:bulletEnabled val="1"/>
         </dgm:presLayoutVars>
       </dgm:prSet>
       <dgm:spPr/>
     </dgm:pt>
-    <dgm:pt modelId="{6328DDFD-CBEF-4069-8A05-68AFAE3F6E8D}" type="pres">
-      <dgm:prSet presAssocID="{B3A5157E-7678-4590-952C-564E2EF4DE88}" presName="accent_2" presStyleCnt="0"/>
+    <dgm:pt modelId="{DB031218-8E1E-4013-A98D-5576D82CC982}" type="pres">
+      <dgm:prSet presAssocID="{2578AD63-8729-48E4-BA18-FF55668BCD8D}" presName="accent_2" presStyleCnt="0"/>
       <dgm:spPr/>
     </dgm:pt>
-    <dgm:pt modelId="{7DBEEBCB-ED71-4D01-89A0-B86FD9E26529}" type="pres">
-      <dgm:prSet presAssocID="{B3A5157E-7678-4590-952C-564E2EF4DE88}" presName="accentRepeatNode" presStyleLbl="solidFgAcc1" presStyleIdx="1" presStyleCnt="5"/>
+    <dgm:pt modelId="{046093AB-7542-4636-9465-5B6A7170CAD7}" type="pres">
+      <dgm:prSet presAssocID="{2578AD63-8729-48E4-BA18-FF55668BCD8D}" presName="accentRepeatNode" presStyleLbl="solidFgAcc1" presStyleIdx="1" presStyleCnt="4"/>
       <dgm:spPr/>
     </dgm:pt>
-    <dgm:pt modelId="{867E1C7B-E01E-4E97-A889-2C4AB157A1EB}" type="pres">
-      <dgm:prSet presAssocID="{2578AD63-8729-48E4-BA18-FF55668BCD8D}" presName="text_3" presStyleLbl="node1" presStyleIdx="2" presStyleCnt="5">
+    <dgm:pt modelId="{D46685AE-8754-4455-A954-EBD4D5C0141D}" type="pres">
+      <dgm:prSet presAssocID="{54A4E420-FB9F-470A-B45F-0C0EB00F6026}" presName="text_3" presStyleLbl="node1" presStyleIdx="2" presStyleCnt="4">
         <dgm:presLayoutVars>
           <dgm:bulletEnabled val="1"/>
         </dgm:presLayoutVars>
       </dgm:prSet>
       <dgm:spPr/>
     </dgm:pt>
-    <dgm:pt modelId="{97FF8BAA-723D-444F-859C-98D1BCB8A998}" type="pres">
-      <dgm:prSet presAssocID="{2578AD63-8729-48E4-BA18-FF55668BCD8D}" presName="accent_3" presStyleCnt="0"/>
+    <dgm:pt modelId="{F843A029-2C24-4B78-85A7-AED381B6462E}" type="pres">
+      <dgm:prSet presAssocID="{54A4E420-FB9F-470A-B45F-0C0EB00F6026}" presName="accent_3" presStyleCnt="0"/>
       <dgm:spPr/>
     </dgm:pt>
-    <dgm:pt modelId="{046093AB-7542-4636-9465-5B6A7170CAD7}" type="pres">
-      <dgm:prSet presAssocID="{2578AD63-8729-48E4-BA18-FF55668BCD8D}" presName="accentRepeatNode" presStyleLbl="solidFgAcc1" presStyleIdx="2" presStyleCnt="5"/>
+    <dgm:pt modelId="{C49ECA3B-1C70-49CB-9455-D4F4B7B4BDEB}" type="pres">
+      <dgm:prSet presAssocID="{54A4E420-FB9F-470A-B45F-0C0EB00F6026}" presName="accentRepeatNode" presStyleLbl="solidFgAcc1" presStyleIdx="2" presStyleCnt="4"/>
       <dgm:spPr/>
     </dgm:pt>
-    <dgm:pt modelId="{2FAA5D4D-1833-48C3-8DDB-C46DD0731C5C}" type="pres">
-      <dgm:prSet presAssocID="{54A4E420-FB9F-470A-B45F-0C0EB00F6026}" presName="text_4" presStyleLbl="node1" presStyleIdx="3" presStyleCnt="5">
+    <dgm:pt modelId="{D4E3454E-9AB7-413F-AF74-718349F09681}" type="pres">
+      <dgm:prSet presAssocID="{84DE3541-E0FC-4BE7-8ED4-0BA95FDEC020}" presName="text_4" presStyleLbl="node1" presStyleIdx="3" presStyleCnt="4">
         <dgm:presLayoutVars>
           <dgm:bulletEnabled val="1"/>
         </dgm:presLayoutVars>
       </dgm:prSet>
       <dgm:spPr/>
     </dgm:pt>
-    <dgm:pt modelId="{10777221-DDDD-45E9-9D2F-D1733F785ED7}" type="pres">
-      <dgm:prSet presAssocID="{54A4E420-FB9F-470A-B45F-0C0EB00F6026}" presName="accent_4" presStyleCnt="0"/>
-      <dgm:spPr/>
-    </dgm:pt>
-    <dgm:pt modelId="{C49ECA3B-1C70-49CB-9455-D4F4B7B4BDEB}" type="pres">
-      <dgm:prSet presAssocID="{54A4E420-FB9F-470A-B45F-0C0EB00F6026}" presName="accentRepeatNode" presStyleLbl="solidFgAcc1" presStyleIdx="3" presStyleCnt="5"/>
-      <dgm:spPr/>
-    </dgm:pt>
-    <dgm:pt modelId="{0D6A3F69-7026-484D-8079-B7125C7F182F}" type="pres">
-      <dgm:prSet presAssocID="{84DE3541-E0FC-4BE7-8ED4-0BA95FDEC020}" presName="text_5" presStyleLbl="node1" presStyleIdx="4" presStyleCnt="5">
-        <dgm:presLayoutVars>
-          <dgm:bulletEnabled val="1"/>
-        </dgm:presLayoutVars>
-      </dgm:prSet>
-      <dgm:spPr/>
-    </dgm:pt>
-    <dgm:pt modelId="{486ABF66-1797-45A8-89EF-9663D80A48A2}" type="pres">
-      <dgm:prSet presAssocID="{84DE3541-E0FC-4BE7-8ED4-0BA95FDEC020}" presName="accent_5" presStyleCnt="0"/>
+    <dgm:pt modelId="{3A8926D6-9907-429B-A5D9-F69BBA9E38B8}" type="pres">
+      <dgm:prSet presAssocID="{84DE3541-E0FC-4BE7-8ED4-0BA95FDEC020}" presName="accent_4" presStyleCnt="0"/>
       <dgm:spPr/>
     </dgm:pt>
     <dgm:pt modelId="{7E5A9015-E00E-4977-BA93-AFECB610175B}" type="pres">
-      <dgm:prSet presAssocID="{84DE3541-E0FC-4BE7-8ED4-0BA95FDEC020}" presName="accentRepeatNode" presStyleLbl="solidFgAcc1" presStyleIdx="4" presStyleCnt="5"/>
+      <dgm:prSet presAssocID="{84DE3541-E0FC-4BE7-8ED4-0BA95FDEC020}" presName="accentRepeatNode" presStyleLbl="solidFgAcc1" presStyleIdx="3" presStyleCnt="4"/>
       <dgm:spPr/>
     </dgm:pt>
   </dgm:ptLst>
   <dgm:cxnLst>
     <dgm:cxn modelId="{202EFB00-C32A-47E0-8D18-70994A333944}" srcId="{899C4897-9731-466C-B774-BCEF5172286B}" destId="{AF4B0043-8993-48F0-ABF7-8308FD2CBFF1}" srcOrd="0" destOrd="0" parTransId="{6E46950F-A0B3-4B72-911A-088F13CA88B6}" sibTransId="{C7E3D4AC-8589-4D4F-B23C-8A6D8A7B0B7A}"/>
     <dgm:cxn modelId="{0725A402-1AF4-4652-9414-3F84ECD3C1D1}" type="presOf" srcId="{899C4897-9731-466C-B774-BCEF5172286B}" destId="{5006BB13-7351-4582-9935-EC1D08F32D1D}" srcOrd="0" destOrd="0" presId="urn:microsoft.com/office/officeart/2008/layout/VerticalCurvedList"/>
-    <dgm:cxn modelId="{2BBE7F05-1CB2-4930-82EB-FF5588392BB8}" srcId="{899C4897-9731-466C-B774-BCEF5172286B}" destId="{B3A5157E-7678-4590-952C-564E2EF4DE88}" srcOrd="1" destOrd="0" parTransId="{7F1D5D41-4981-4CF3-9D93-50F294D7FB55}" sibTransId="{CCD21603-E910-4FFE-9C6C-955228AFAC72}"/>
+    <dgm:cxn modelId="{F70BB428-983E-45E5-AC89-8D03794F6821}" type="presOf" srcId="{54A4E420-FB9F-470A-B45F-0C0EB00F6026}" destId="{D46685AE-8754-4455-A954-EBD4D5C0141D}" srcOrd="0" destOrd="0" presId="urn:microsoft.com/office/officeart/2008/layout/VerticalCurvedList"/>
+    <dgm:cxn modelId="{8AFA3A2E-F921-446A-A6D0-3AAB3D2EB83E}" type="presOf" srcId="{84DE3541-E0FC-4BE7-8ED4-0BA95FDEC020}" destId="{D4E3454E-9AB7-413F-AF74-718349F09681}" srcOrd="0" destOrd="0" presId="urn:microsoft.com/office/officeart/2008/layout/VerticalCurvedList"/>
     <dgm:cxn modelId="{96E94C61-708D-4842-BD23-E644595BD65D}" type="presOf" srcId="{C7E3D4AC-8589-4D4F-B23C-8A6D8A7B0B7A}" destId="{18E981F7-13BA-449E-AE6E-F9370F6F0855}" srcOrd="0" destOrd="0" presId="urn:microsoft.com/office/officeart/2008/layout/VerticalCurvedList"/>
-    <dgm:cxn modelId="{2E440978-D3FA-4911-AA1F-61673284438E}" type="presOf" srcId="{54A4E420-FB9F-470A-B45F-0C0EB00F6026}" destId="{2FAA5D4D-1833-48C3-8DDB-C46DD0731C5C}" srcOrd="0" destOrd="0" presId="urn:microsoft.com/office/officeart/2008/layout/VerticalCurvedList"/>
-    <dgm:cxn modelId="{1FE03879-9424-4349-A482-3BF0725073D3}" type="presOf" srcId="{84DE3541-E0FC-4BE7-8ED4-0BA95FDEC020}" destId="{0D6A3F69-7026-484D-8079-B7125C7F182F}" srcOrd="0" destOrd="0" presId="urn:microsoft.com/office/officeart/2008/layout/VerticalCurvedList"/>
-    <dgm:cxn modelId="{0B01E77F-7D80-4195-9C54-B2D003E21149}" type="presOf" srcId="{B3A5157E-7678-4590-952C-564E2EF4DE88}" destId="{AA2CBA7B-0EEE-4389-ACFD-32A46E959222}" srcOrd="0" destOrd="0" presId="urn:microsoft.com/office/officeart/2008/layout/VerticalCurvedList"/>
+    <dgm:cxn modelId="{9231EF97-97EB-4BD3-80BB-8FB057FA25D6}" type="presOf" srcId="{2578AD63-8729-48E4-BA18-FF55668BCD8D}" destId="{166829DF-3E0E-454C-B728-11393CA3DD5B}" srcOrd="0" destOrd="0" presId="urn:microsoft.com/office/officeart/2008/layout/VerticalCurvedList"/>
     <dgm:cxn modelId="{CB6CF6AB-8F96-4236-B915-CF3307E4EB42}" type="presOf" srcId="{AF4B0043-8993-48F0-ABF7-8308FD2CBFF1}" destId="{38E01CD0-88B3-4FBF-A324-51E1FA8CED60}" srcOrd="0" destOrd="0" presId="urn:microsoft.com/office/officeart/2008/layout/VerticalCurvedList"/>
-    <dgm:cxn modelId="{444D18C2-E71A-4D37-91ED-3720BFD92C39}" srcId="{899C4897-9731-466C-B774-BCEF5172286B}" destId="{84DE3541-E0FC-4BE7-8ED4-0BA95FDEC020}" srcOrd="4" destOrd="0" parTransId="{999F117F-C6D0-4A70-A31F-F36197B9AF32}" sibTransId="{318D4C7D-EA47-42E4-87CF-662750144430}"/>
-    <dgm:cxn modelId="{AB8A38CE-3A22-4879-95E1-E49A9F7D9482}" srcId="{899C4897-9731-466C-B774-BCEF5172286B}" destId="{2578AD63-8729-48E4-BA18-FF55668BCD8D}" srcOrd="2" destOrd="0" parTransId="{ABF87856-D282-44E4-90A0-E7E2A82FD1D1}" sibTransId="{D28D2FA9-0D0B-422F-96E1-9E6C376842DA}"/>
-    <dgm:cxn modelId="{6C1CFDF2-BC96-4B04-86C8-BB37E6829573}" srcId="{899C4897-9731-466C-B774-BCEF5172286B}" destId="{54A4E420-FB9F-470A-B45F-0C0EB00F6026}" srcOrd="3" destOrd="0" parTransId="{3DCE9359-2106-494F-B1A4-5371C7889C58}" sibTransId="{CBCEF7EC-B882-4694-861E-CF16B2A60D24}"/>
-    <dgm:cxn modelId="{6390F8F3-A076-4443-8E21-EE6726BE1693}" type="presOf" srcId="{2578AD63-8729-48E4-BA18-FF55668BCD8D}" destId="{867E1C7B-E01E-4E97-A889-2C4AB157A1EB}" srcOrd="0" destOrd="0" presId="urn:microsoft.com/office/officeart/2008/layout/VerticalCurvedList"/>
+    <dgm:cxn modelId="{444D18C2-E71A-4D37-91ED-3720BFD92C39}" srcId="{899C4897-9731-466C-B774-BCEF5172286B}" destId="{84DE3541-E0FC-4BE7-8ED4-0BA95FDEC020}" srcOrd="3" destOrd="0" parTransId="{999F117F-C6D0-4A70-A31F-F36197B9AF32}" sibTransId="{318D4C7D-EA47-42E4-87CF-662750144430}"/>
+    <dgm:cxn modelId="{AB8A38CE-3A22-4879-95E1-E49A9F7D9482}" srcId="{899C4897-9731-466C-B774-BCEF5172286B}" destId="{2578AD63-8729-48E4-BA18-FF55668BCD8D}" srcOrd="1" destOrd="0" parTransId="{ABF87856-D282-44E4-90A0-E7E2A82FD1D1}" sibTransId="{D28D2FA9-0D0B-422F-96E1-9E6C376842DA}"/>
+    <dgm:cxn modelId="{6C1CFDF2-BC96-4B04-86C8-BB37E6829573}" srcId="{899C4897-9731-466C-B774-BCEF5172286B}" destId="{54A4E420-FB9F-470A-B45F-0C0EB00F6026}" srcOrd="2" destOrd="0" parTransId="{3DCE9359-2106-494F-B1A4-5371C7889C58}" sibTransId="{CBCEF7EC-B882-4694-861E-CF16B2A60D24}"/>
     <dgm:cxn modelId="{B9B03353-A1A2-44B8-BD61-CA09B13247AD}" type="presParOf" srcId="{5006BB13-7351-4582-9935-EC1D08F32D1D}" destId="{BC91A925-6405-4664-B1E7-AA0B623ACB8B}" srcOrd="0" destOrd="0" presId="urn:microsoft.com/office/officeart/2008/layout/VerticalCurvedList"/>
     <dgm:cxn modelId="{918DB4C2-D0D6-4734-ADFA-A107844A49D1}" type="presParOf" srcId="{BC91A925-6405-4664-B1E7-AA0B623ACB8B}" destId="{EE5ADF82-1A17-455C-8849-B85C9E2195F4}" srcOrd="0" destOrd="0" presId="urn:microsoft.com/office/officeart/2008/layout/VerticalCurvedList"/>
     <dgm:cxn modelId="{531EC755-F7FB-4AD0-842C-FDCBB0918BC6}" type="presParOf" srcId="{EE5ADF82-1A17-455C-8849-B85C9E2195F4}" destId="{ACC84866-2922-4955-B091-5B361342D639}" srcOrd="0" destOrd="0" presId="urn:microsoft.com/office/officeart/2008/layout/VerticalCurvedList"/>
@@ -2683,18 +2621,15 @@
     <dgm:cxn modelId="{84E43301-483B-4090-B143-B96915C67C4C}" type="presParOf" srcId="{BC91A925-6405-4664-B1E7-AA0B623ACB8B}" destId="{38E01CD0-88B3-4FBF-A324-51E1FA8CED60}" srcOrd="1" destOrd="0" presId="urn:microsoft.com/office/officeart/2008/layout/VerticalCurvedList"/>
     <dgm:cxn modelId="{E16B76CF-1B96-4F6F-8F74-DAAD7B6CE421}" type="presParOf" srcId="{BC91A925-6405-4664-B1E7-AA0B623ACB8B}" destId="{184ED729-E2A0-4836-AFA7-529E0360A502}" srcOrd="2" destOrd="0" presId="urn:microsoft.com/office/officeart/2008/layout/VerticalCurvedList"/>
     <dgm:cxn modelId="{68E7EBF3-4A95-4E1E-A5E6-E1EA52B500C6}" type="presParOf" srcId="{184ED729-E2A0-4836-AFA7-529E0360A502}" destId="{379B3333-B5F1-4797-A6CF-173B65E6EB25}" srcOrd="0" destOrd="0" presId="urn:microsoft.com/office/officeart/2008/layout/VerticalCurvedList"/>
-    <dgm:cxn modelId="{107297AA-5131-4D1F-99CB-DEF0F9DA8EE8}" type="presParOf" srcId="{BC91A925-6405-4664-B1E7-AA0B623ACB8B}" destId="{AA2CBA7B-0EEE-4389-ACFD-32A46E959222}" srcOrd="3" destOrd="0" presId="urn:microsoft.com/office/officeart/2008/layout/VerticalCurvedList"/>
-    <dgm:cxn modelId="{EB08BDB3-5BA1-4A11-9AD2-C0ECE95F4399}" type="presParOf" srcId="{BC91A925-6405-4664-B1E7-AA0B623ACB8B}" destId="{6328DDFD-CBEF-4069-8A05-68AFAE3F6E8D}" srcOrd="4" destOrd="0" presId="urn:microsoft.com/office/officeart/2008/layout/VerticalCurvedList"/>
-    <dgm:cxn modelId="{763D5ECC-53D4-4A97-833C-C22C37E17D45}" type="presParOf" srcId="{6328DDFD-CBEF-4069-8A05-68AFAE3F6E8D}" destId="{7DBEEBCB-ED71-4D01-89A0-B86FD9E26529}" srcOrd="0" destOrd="0" presId="urn:microsoft.com/office/officeart/2008/layout/VerticalCurvedList"/>
-    <dgm:cxn modelId="{2E46885D-1E82-4056-B1F4-372AA85DA18F}" type="presParOf" srcId="{BC91A925-6405-4664-B1E7-AA0B623ACB8B}" destId="{867E1C7B-E01E-4E97-A889-2C4AB157A1EB}" srcOrd="5" destOrd="0" presId="urn:microsoft.com/office/officeart/2008/layout/VerticalCurvedList"/>
-    <dgm:cxn modelId="{7E702C49-B11E-4C3C-808C-8DE35A2FB67C}" type="presParOf" srcId="{BC91A925-6405-4664-B1E7-AA0B623ACB8B}" destId="{97FF8BAA-723D-444F-859C-98D1BCB8A998}" srcOrd="6" destOrd="0" presId="urn:microsoft.com/office/officeart/2008/layout/VerticalCurvedList"/>
-    <dgm:cxn modelId="{6CB7A9B0-D92D-4C58-93F3-FA169699A91D}" type="presParOf" srcId="{97FF8BAA-723D-444F-859C-98D1BCB8A998}" destId="{046093AB-7542-4636-9465-5B6A7170CAD7}" srcOrd="0" destOrd="0" presId="urn:microsoft.com/office/officeart/2008/layout/VerticalCurvedList"/>
-    <dgm:cxn modelId="{681F81BD-5820-4146-88AE-9E7A52EEE043}" type="presParOf" srcId="{BC91A925-6405-4664-B1E7-AA0B623ACB8B}" destId="{2FAA5D4D-1833-48C3-8DDB-C46DD0731C5C}" srcOrd="7" destOrd="0" presId="urn:microsoft.com/office/officeart/2008/layout/VerticalCurvedList"/>
-    <dgm:cxn modelId="{685B3718-7E55-4BD4-8C7D-A7DA877D0CA5}" type="presParOf" srcId="{BC91A925-6405-4664-B1E7-AA0B623ACB8B}" destId="{10777221-DDDD-45E9-9D2F-D1733F785ED7}" srcOrd="8" destOrd="0" presId="urn:microsoft.com/office/officeart/2008/layout/VerticalCurvedList"/>
-    <dgm:cxn modelId="{0B9CCABE-02F1-44FF-8459-B57F2AC84DEC}" type="presParOf" srcId="{10777221-DDDD-45E9-9D2F-D1733F785ED7}" destId="{C49ECA3B-1C70-49CB-9455-D4F4B7B4BDEB}" srcOrd="0" destOrd="0" presId="urn:microsoft.com/office/officeart/2008/layout/VerticalCurvedList"/>
-    <dgm:cxn modelId="{7C507F57-15D6-4844-B06C-E57FDF0D1D44}" type="presParOf" srcId="{BC91A925-6405-4664-B1E7-AA0B623ACB8B}" destId="{0D6A3F69-7026-484D-8079-B7125C7F182F}" srcOrd="9" destOrd="0" presId="urn:microsoft.com/office/officeart/2008/layout/VerticalCurvedList"/>
-    <dgm:cxn modelId="{4E734AB2-F887-4A21-8115-FBA2FC366406}" type="presParOf" srcId="{BC91A925-6405-4664-B1E7-AA0B623ACB8B}" destId="{486ABF66-1797-45A8-89EF-9663D80A48A2}" srcOrd="10" destOrd="0" presId="urn:microsoft.com/office/officeart/2008/layout/VerticalCurvedList"/>
-    <dgm:cxn modelId="{F8AFE729-56A1-4A57-9E9F-8E668275D01E}" type="presParOf" srcId="{486ABF66-1797-45A8-89EF-9663D80A48A2}" destId="{7E5A9015-E00E-4977-BA93-AFECB610175B}" srcOrd="0" destOrd="0" presId="urn:microsoft.com/office/officeart/2008/layout/VerticalCurvedList"/>
+    <dgm:cxn modelId="{D9AA7C2A-A003-4E31-B119-670E0146E20D}" type="presParOf" srcId="{BC91A925-6405-4664-B1E7-AA0B623ACB8B}" destId="{166829DF-3E0E-454C-B728-11393CA3DD5B}" srcOrd="3" destOrd="0" presId="urn:microsoft.com/office/officeart/2008/layout/VerticalCurvedList"/>
+    <dgm:cxn modelId="{515567F2-0D79-4A1B-BD48-8AF9F5E13A20}" type="presParOf" srcId="{BC91A925-6405-4664-B1E7-AA0B623ACB8B}" destId="{DB031218-8E1E-4013-A98D-5576D82CC982}" srcOrd="4" destOrd="0" presId="urn:microsoft.com/office/officeart/2008/layout/VerticalCurvedList"/>
+    <dgm:cxn modelId="{0204B4AC-2201-4875-A540-22F575B9E599}" type="presParOf" srcId="{DB031218-8E1E-4013-A98D-5576D82CC982}" destId="{046093AB-7542-4636-9465-5B6A7170CAD7}" srcOrd="0" destOrd="0" presId="urn:microsoft.com/office/officeart/2008/layout/VerticalCurvedList"/>
+    <dgm:cxn modelId="{A9372004-3523-4F19-AAEF-0B1B89548AA5}" type="presParOf" srcId="{BC91A925-6405-4664-B1E7-AA0B623ACB8B}" destId="{D46685AE-8754-4455-A954-EBD4D5C0141D}" srcOrd="5" destOrd="0" presId="urn:microsoft.com/office/officeart/2008/layout/VerticalCurvedList"/>
+    <dgm:cxn modelId="{354846FF-9470-43E3-9479-E238258A2D40}" type="presParOf" srcId="{BC91A925-6405-4664-B1E7-AA0B623ACB8B}" destId="{F843A029-2C24-4B78-85A7-AED381B6462E}" srcOrd="6" destOrd="0" presId="urn:microsoft.com/office/officeart/2008/layout/VerticalCurvedList"/>
+    <dgm:cxn modelId="{BA2DF6DC-AB37-4B7D-9231-8B18779A14A5}" type="presParOf" srcId="{F843A029-2C24-4B78-85A7-AED381B6462E}" destId="{C49ECA3B-1C70-49CB-9455-D4F4B7B4BDEB}" srcOrd="0" destOrd="0" presId="urn:microsoft.com/office/officeart/2008/layout/VerticalCurvedList"/>
+    <dgm:cxn modelId="{90710D25-62AB-4BAA-A8A3-29C270705302}" type="presParOf" srcId="{BC91A925-6405-4664-B1E7-AA0B623ACB8B}" destId="{D4E3454E-9AB7-413F-AF74-718349F09681}" srcOrd="7" destOrd="0" presId="urn:microsoft.com/office/officeart/2008/layout/VerticalCurvedList"/>
+    <dgm:cxn modelId="{A72460D4-7CBD-4A67-AE5B-074F9D0A8EFB}" type="presParOf" srcId="{BC91A925-6405-4664-B1E7-AA0B623ACB8B}" destId="{3A8926D6-9907-429B-A5D9-F69BBA9E38B8}" srcOrd="8" destOrd="0" presId="urn:microsoft.com/office/officeart/2008/layout/VerticalCurvedList"/>
+    <dgm:cxn modelId="{83B18B30-8A5D-490A-AA46-CCBF40DDE8B3}" type="presParOf" srcId="{3A8926D6-9907-429B-A5D9-F69BBA9E38B8}" destId="{7E5A9015-E00E-4977-BA93-AFECB610175B}" srcOrd="0" destOrd="0" presId="urn:microsoft.com/office/officeart/2008/layout/VerticalCurvedList"/>
   </dgm:cxnLst>
   <dgm:bg/>
   <dgm:whole/>
@@ -2765,8 +2700,8 @@
       </dsp:nvSpPr>
       <dsp:spPr>
         <a:xfrm>
-          <a:off x="363958" y="240003"/>
-          <a:ext cx="7010728" cy="480314"/>
+          <a:off x="435406" y="295318"/>
+          <a:ext cx="6939280" cy="590943"/>
         </a:xfrm>
         <a:prstGeom prst="rect">
           <a:avLst/>
@@ -2801,12 +2736,12 @@
         </a:fontRef>
       </dsp:style>
       <dsp:txBody>
-        <a:bodyPr spcFirstLastPara="0" vert="horz" wrap="square" lIns="381250" tIns="63500" rIns="63500" bIns="63500" numCol="1" spcCol="1270" anchor="ctr" anchorCtr="0">
+        <a:bodyPr spcFirstLastPara="0" vert="horz" wrap="square" lIns="469061" tIns="78740" rIns="78740" bIns="78740" numCol="1" spcCol="1270" anchor="ctr" anchorCtr="0">
           <a:noAutofit/>
         </a:bodyPr>
         <a:lstStyle/>
         <a:p>
-          <a:pPr marL="0" lvl="0" indent="0" algn="l" defTabSz="1111250">
+          <a:pPr marL="0" lvl="0" indent="0" algn="l" defTabSz="1377950">
             <a:lnSpc>
               <a:spcPct val="90000"/>
             </a:lnSpc>
@@ -2819,14 +2754,14 @@
             <a:buNone/>
           </a:pPr>
           <a:r>
-            <a:rPr lang="en-MY" sz="2500" kern="1200" dirty="0"/>
+            <a:rPr lang="en-MY" sz="3100" kern="1200" dirty="0"/>
             <a:t>Background</a:t>
           </a:r>
         </a:p>
       </dsp:txBody>
       <dsp:txXfrm>
-        <a:off x="363958" y="240003"/>
-        <a:ext cx="7010728" cy="480314"/>
+        <a:off x="435406" y="295318"/>
+        <a:ext cx="6939280" cy="590943"/>
       </dsp:txXfrm>
     </dsp:sp>
     <dsp:sp modelId="{379B3333-B5F1-4797-A6CF-173B65E6EB25}">
@@ -2836,8 +2771,8 @@
       </dsp:nvSpPr>
       <dsp:spPr>
         <a:xfrm>
-          <a:off x="63761" y="179964"/>
-          <a:ext cx="600393" cy="600393"/>
+          <a:off x="66066" y="221450"/>
+          <a:ext cx="738679" cy="738679"/>
         </a:xfrm>
         <a:prstGeom prst="ellipse">
           <a:avLst/>
@@ -2876,133 +2811,15 @@
         <a:fontRef idx="minor"/>
       </dsp:style>
     </dsp:sp>
-    <dsp:sp modelId="{AA2CBA7B-0EEE-4389-ACFD-32A46E959222}">
+    <dsp:sp modelId="{166829DF-3E0E-454C-B728-11393CA3DD5B}">
       <dsp:nvSpPr>
         <dsp:cNvPr id="0" name=""/>
         <dsp:cNvSpPr/>
       </dsp:nvSpPr>
       <dsp:spPr>
         <a:xfrm>
-          <a:off x="708137" y="960244"/>
-          <a:ext cx="6666549" cy="480314"/>
-        </a:xfrm>
-        <a:prstGeom prst="rect">
-          <a:avLst/>
-        </a:prstGeom>
-        <a:solidFill>
-          <a:schemeClr val="accent3"/>
-        </a:solidFill>
-        <a:ln w="25400" cap="flat" cmpd="sng" algn="ctr">
-          <a:solidFill>
-            <a:schemeClr val="accent3">
-              <a:shade val="50000"/>
-            </a:schemeClr>
-          </a:solidFill>
-          <a:prstDash val="solid"/>
-        </a:ln>
-        <a:effectLst/>
-      </dsp:spPr>
-      <dsp:style>
-        <a:lnRef idx="2">
-          <a:schemeClr val="accent3">
-            <a:shade val="50000"/>
-          </a:schemeClr>
-        </a:lnRef>
-        <a:fillRef idx="1">
-          <a:schemeClr val="accent3"/>
-        </a:fillRef>
-        <a:effectRef idx="0">
-          <a:schemeClr val="accent3"/>
-        </a:effectRef>
-        <a:fontRef idx="minor">
-          <a:schemeClr val="lt1"/>
-        </a:fontRef>
-      </dsp:style>
-      <dsp:txBody>
-        <a:bodyPr spcFirstLastPara="0" vert="horz" wrap="square" lIns="381250" tIns="63500" rIns="63500" bIns="63500" numCol="1" spcCol="1270" anchor="ctr" anchorCtr="0">
-          <a:noAutofit/>
-        </a:bodyPr>
-        <a:lstStyle/>
-        <a:p>
-          <a:pPr marL="0" lvl="0" indent="0" algn="l" defTabSz="1111250">
-            <a:lnSpc>
-              <a:spcPct val="90000"/>
-            </a:lnSpc>
-            <a:spcBef>
-              <a:spcPct val="0"/>
-            </a:spcBef>
-            <a:spcAft>
-              <a:spcPct val="35000"/>
-            </a:spcAft>
-            <a:buNone/>
-          </a:pPr>
-          <a:r>
-            <a:rPr lang="en-MY" sz="2500" kern="1200" dirty="0"/>
-            <a:t>Problem Statement</a:t>
-          </a:r>
-        </a:p>
-      </dsp:txBody>
-      <dsp:txXfrm>
-        <a:off x="708137" y="960244"/>
-        <a:ext cx="6666549" cy="480314"/>
-      </dsp:txXfrm>
-    </dsp:sp>
-    <dsp:sp modelId="{7DBEEBCB-ED71-4D01-89A0-B86FD9E26529}">
-      <dsp:nvSpPr>
-        <dsp:cNvPr id="0" name=""/>
-        <dsp:cNvSpPr/>
-      </dsp:nvSpPr>
-      <dsp:spPr>
-        <a:xfrm>
-          <a:off x="407940" y="900205"/>
-          <a:ext cx="600393" cy="600393"/>
-        </a:xfrm>
-        <a:prstGeom prst="ellipse">
-          <a:avLst/>
-        </a:prstGeom>
-        <a:solidFill>
-          <a:schemeClr val="lt1">
-            <a:hueOff val="0"/>
-            <a:satOff val="0"/>
-            <a:lumOff val="0"/>
-            <a:alphaOff val="0"/>
-          </a:schemeClr>
-        </a:solidFill>
-        <a:ln w="25400" cap="flat" cmpd="sng" algn="ctr">
-          <a:solidFill>
-            <a:schemeClr val="accent4">
-              <a:hueOff val="-1116192"/>
-              <a:satOff val="6725"/>
-              <a:lumOff val="539"/>
-              <a:alphaOff val="0"/>
-            </a:schemeClr>
-          </a:solidFill>
-          <a:prstDash val="solid"/>
-        </a:ln>
-        <a:effectLst/>
-      </dsp:spPr>
-      <dsp:style>
-        <a:lnRef idx="2">
-          <a:scrgbClr r="0" g="0" b="0"/>
-        </a:lnRef>
-        <a:fillRef idx="1">
-          <a:scrgbClr r="0" g="0" b="0"/>
-        </a:fillRef>
-        <a:effectRef idx="0">
-          <a:scrgbClr r="0" g="0" b="0"/>
-        </a:effectRef>
-        <a:fontRef idx="minor"/>
-      </dsp:style>
-    </dsp:sp>
-    <dsp:sp modelId="{867E1C7B-E01E-4E97-A889-2C4AB157A1EB}">
-      <dsp:nvSpPr>
-        <dsp:cNvPr id="0" name=""/>
-        <dsp:cNvSpPr/>
-      </dsp:nvSpPr>
-      <dsp:spPr>
-        <a:xfrm>
-          <a:off x="813772" y="1680485"/>
-          <a:ext cx="6560914" cy="480314"/>
+          <a:off x="774207" y="1181886"/>
+          <a:ext cx="6600479" cy="590943"/>
         </a:xfrm>
         <a:prstGeom prst="rect">
           <a:avLst/>
@@ -3037,12 +2854,12 @@
         </a:fontRef>
       </dsp:style>
       <dsp:txBody>
-        <a:bodyPr spcFirstLastPara="0" vert="horz" wrap="square" lIns="381250" tIns="63500" rIns="63500" bIns="63500" numCol="1" spcCol="1270" anchor="ctr" anchorCtr="0">
+        <a:bodyPr spcFirstLastPara="0" vert="horz" wrap="square" lIns="469061" tIns="78740" rIns="78740" bIns="78740" numCol="1" spcCol="1270" anchor="ctr" anchorCtr="0">
           <a:noAutofit/>
         </a:bodyPr>
         <a:lstStyle/>
         <a:p>
-          <a:pPr marL="0" lvl="0" indent="0" algn="l" defTabSz="1111250">
+          <a:pPr marL="0" lvl="0" indent="0" algn="l" defTabSz="1377950">
             <a:lnSpc>
               <a:spcPct val="90000"/>
             </a:lnSpc>
@@ -3055,14 +2872,14 @@
             <a:buNone/>
           </a:pPr>
           <a:r>
-            <a:rPr lang="en-MY" sz="2500" kern="1200" dirty="0"/>
+            <a:rPr lang="en-MY" sz="3100" kern="1200" dirty="0"/>
             <a:t>Algorithm Details</a:t>
           </a:r>
         </a:p>
       </dsp:txBody>
       <dsp:txXfrm>
-        <a:off x="813772" y="1680485"/>
-        <a:ext cx="6560914" cy="480314"/>
+        <a:off x="774207" y="1181886"/>
+        <a:ext cx="6600479" cy="590943"/>
       </dsp:txXfrm>
     </dsp:sp>
     <dsp:sp modelId="{046093AB-7542-4636-9465-5B6A7170CAD7}">
@@ -3072,8 +2889,8 @@
       </dsp:nvSpPr>
       <dsp:spPr>
         <a:xfrm>
-          <a:off x="513576" y="1620446"/>
-          <a:ext cx="600393" cy="600393"/>
+          <a:off x="404867" y="1108018"/>
+          <a:ext cx="738679" cy="738679"/>
         </a:xfrm>
         <a:prstGeom prst="ellipse">
           <a:avLst/>
@@ -3089,9 +2906,9 @@
         <a:ln w="25400" cap="flat" cmpd="sng" algn="ctr">
           <a:solidFill>
             <a:schemeClr val="accent4">
-              <a:hueOff val="-2232385"/>
-              <a:satOff val="13449"/>
-              <a:lumOff val="1078"/>
+              <a:hueOff val="-1488257"/>
+              <a:satOff val="8966"/>
+              <a:lumOff val="719"/>
               <a:alphaOff val="0"/>
             </a:schemeClr>
           </a:solidFill>
@@ -3112,15 +2929,15 @@
         <a:fontRef idx="minor"/>
       </dsp:style>
     </dsp:sp>
-    <dsp:sp modelId="{2FAA5D4D-1833-48C3-8DDB-C46DD0731C5C}">
+    <dsp:sp modelId="{D46685AE-8754-4455-A954-EBD4D5C0141D}">
       <dsp:nvSpPr>
         <dsp:cNvPr id="0" name=""/>
         <dsp:cNvSpPr/>
       </dsp:nvSpPr>
       <dsp:spPr>
         <a:xfrm>
-          <a:off x="708137" y="2400726"/>
-          <a:ext cx="6666549" cy="480314"/>
+          <a:off x="774207" y="2068455"/>
+          <a:ext cx="6600479" cy="590943"/>
         </a:xfrm>
         <a:prstGeom prst="rect">
           <a:avLst/>
@@ -3155,12 +2972,12 @@
         </a:fontRef>
       </dsp:style>
       <dsp:txBody>
-        <a:bodyPr spcFirstLastPara="0" vert="horz" wrap="square" lIns="381250" tIns="63500" rIns="63500" bIns="63500" numCol="1" spcCol="1270" anchor="ctr" anchorCtr="0">
+        <a:bodyPr spcFirstLastPara="0" vert="horz" wrap="square" lIns="469061" tIns="78740" rIns="78740" bIns="78740" numCol="1" spcCol="1270" anchor="ctr" anchorCtr="0">
           <a:noAutofit/>
         </a:bodyPr>
         <a:lstStyle/>
         <a:p>
-          <a:pPr marL="0" lvl="0" indent="0" algn="l" defTabSz="1111250">
+          <a:pPr marL="0" lvl="0" indent="0" algn="l" defTabSz="1377950">
             <a:lnSpc>
               <a:spcPct val="90000"/>
             </a:lnSpc>
@@ -3173,14 +2990,14 @@
             <a:buNone/>
           </a:pPr>
           <a:r>
-            <a:rPr lang="en-MY" sz="2500" kern="1200" dirty="0"/>
+            <a:rPr lang="en-MY" sz="3100" kern="1200" dirty="0"/>
             <a:t>Music Generation</a:t>
           </a:r>
         </a:p>
       </dsp:txBody>
       <dsp:txXfrm>
-        <a:off x="708137" y="2400726"/>
-        <a:ext cx="6666549" cy="480314"/>
+        <a:off x="774207" y="2068455"/>
+        <a:ext cx="6600479" cy="590943"/>
       </dsp:txXfrm>
     </dsp:sp>
     <dsp:sp modelId="{C49ECA3B-1C70-49CB-9455-D4F4B7B4BDEB}">
@@ -3190,8 +3007,8 @@
       </dsp:nvSpPr>
       <dsp:spPr>
         <a:xfrm>
-          <a:off x="407940" y="2340687"/>
-          <a:ext cx="600393" cy="600393"/>
+          <a:off x="404867" y="1994587"/>
+          <a:ext cx="738679" cy="738679"/>
         </a:xfrm>
         <a:prstGeom prst="ellipse">
           <a:avLst/>
@@ -3207,9 +3024,9 @@
         <a:ln w="25400" cap="flat" cmpd="sng" algn="ctr">
           <a:solidFill>
             <a:schemeClr val="accent4">
-              <a:hueOff val="-3348577"/>
-              <a:satOff val="20174"/>
-              <a:lumOff val="1617"/>
+              <a:hueOff val="-2976513"/>
+              <a:satOff val="17933"/>
+              <a:lumOff val="1437"/>
               <a:alphaOff val="0"/>
             </a:schemeClr>
           </a:solidFill>
@@ -3230,15 +3047,15 @@
         <a:fontRef idx="minor"/>
       </dsp:style>
     </dsp:sp>
-    <dsp:sp modelId="{0D6A3F69-7026-484D-8079-B7125C7F182F}">
+    <dsp:sp modelId="{D4E3454E-9AB7-413F-AF74-718349F09681}">
       <dsp:nvSpPr>
         <dsp:cNvPr id="0" name=""/>
         <dsp:cNvSpPr/>
       </dsp:nvSpPr>
       <dsp:spPr>
         <a:xfrm>
-          <a:off x="363958" y="3120968"/>
-          <a:ext cx="7010728" cy="480314"/>
+          <a:off x="435406" y="2955024"/>
+          <a:ext cx="6939280" cy="590943"/>
         </a:xfrm>
         <a:prstGeom prst="rect">
           <a:avLst/>
@@ -3273,12 +3090,12 @@
         </a:fontRef>
       </dsp:style>
       <dsp:txBody>
-        <a:bodyPr spcFirstLastPara="0" vert="horz" wrap="square" lIns="381250" tIns="63500" rIns="63500" bIns="63500" numCol="1" spcCol="1270" anchor="ctr" anchorCtr="0">
+        <a:bodyPr spcFirstLastPara="0" vert="horz" wrap="square" lIns="469061" tIns="78740" rIns="78740" bIns="78740" numCol="1" spcCol="1270" anchor="ctr" anchorCtr="0">
           <a:noAutofit/>
         </a:bodyPr>
         <a:lstStyle/>
         <a:p>
-          <a:pPr marL="0" lvl="0" indent="0" algn="l" defTabSz="1111250">
+          <a:pPr marL="0" lvl="0" indent="0" algn="l" defTabSz="1377950">
             <a:lnSpc>
               <a:spcPct val="90000"/>
             </a:lnSpc>
@@ -3291,14 +3108,15 @@
             <a:buNone/>
           </a:pPr>
           <a:r>
-            <a:rPr lang="en-MY" sz="2500" kern="1200" dirty="0"/>
-            <a:t>Implementation</a:t>
+            <a:rPr lang="en-MY" sz="3100" kern="1200"/>
+            <a:t>Application</a:t>
           </a:r>
+          <a:endParaRPr lang="en-MY" sz="3100" kern="1200" dirty="0"/>
         </a:p>
       </dsp:txBody>
       <dsp:txXfrm>
-        <a:off x="363958" y="3120968"/>
-        <a:ext cx="7010728" cy="480314"/>
+        <a:off x="435406" y="2955024"/>
+        <a:ext cx="6939280" cy="590943"/>
       </dsp:txXfrm>
     </dsp:sp>
     <dsp:sp modelId="{7E5A9015-E00E-4977-BA93-AFECB610175B}">
@@ -3308,8 +3126,8 @@
       </dsp:nvSpPr>
       <dsp:spPr>
         <a:xfrm>
-          <a:off x="63761" y="3060928"/>
-          <a:ext cx="600393" cy="600393"/>
+          <a:off x="66066" y="2881156"/>
+          <a:ext cx="738679" cy="738679"/>
         </a:xfrm>
         <a:prstGeom prst="ellipse">
           <a:avLst/>
@@ -6346,14 +6164,14 @@
           </a:ln>
           <a:extLst>
             <a:ext uri="{909E8E84-426E-40dd-AFC4-6F175D3DCCD1}">
-              <a14:hiddenFill xmlns="" xmlns:a14="http://schemas.microsoft.com/office/drawing/2010/main">
+              <a14:hiddenFill xmlns:a14="http://schemas.microsoft.com/office/drawing/2010/main" xmlns="">
                 <a:solidFill>
                   <a:srgbClr val="FFFFFF"/>
                 </a:solidFill>
               </a14:hiddenFill>
             </a:ext>
             <a:ext uri="{91240B29-F687-4f45-9708-019B960494DF}">
-              <a14:hiddenLine xmlns="" xmlns:a14="http://schemas.microsoft.com/office/drawing/2010/main" w="9525">
+              <a14:hiddenLine xmlns:a14="http://schemas.microsoft.com/office/drawing/2010/main" xmlns="" w="9525">
                 <a:solidFill>
                   <a:srgbClr val="000000"/>
                 </a:solidFill>
@@ -6522,14 +6340,14 @@
           </a:ln>
           <a:extLst>
             <a:ext uri="{909E8E84-426E-40dd-AFC4-6F175D3DCCD1}">
-              <a14:hiddenFill xmlns="" xmlns:a14="http://schemas.microsoft.com/office/drawing/2010/main">
+              <a14:hiddenFill xmlns:a14="http://schemas.microsoft.com/office/drawing/2010/main" xmlns="">
                 <a:solidFill>
                   <a:srgbClr val="FFFFFF"/>
                 </a:solidFill>
               </a14:hiddenFill>
             </a:ext>
             <a:ext uri="{91240B29-F687-4f45-9708-019B960494DF}">
-              <a14:hiddenLine xmlns="" xmlns:a14="http://schemas.microsoft.com/office/drawing/2010/main" w="9525">
+              <a14:hiddenLine xmlns:a14="http://schemas.microsoft.com/office/drawing/2010/main" xmlns="" w="9525">
                 <a:solidFill>
                   <a:srgbClr val="000000"/>
                 </a:solidFill>
@@ -6677,6 +6495,182 @@
                 <a:cs typeface="Calibri" charset="0"/>
               </a:rPr>
               <a:t> Islam</a:t>
+            </a:r>
+          </a:p>
+        </p:txBody>
+      </p:sp>
+      <p:sp>
+        <p:nvSpPr>
+          <p:cNvPr id="5" name="Text Box 2">
+            <a:extLst>
+              <a:ext uri="{FF2B5EF4-FFF2-40B4-BE49-F238E27FC236}">
+                <a16:creationId xmlns:a16="http://schemas.microsoft.com/office/drawing/2014/main" id="{E5B4DFED-C375-4DCC-BF07-5BC2DC0421DE}"/>
+              </a:ext>
+            </a:extLst>
+          </p:cNvPr>
+          <p:cNvSpPr txBox="1">
+            <a:spLocks noChangeArrowheads="1"/>
+          </p:cNvSpPr>
+          <p:nvPr/>
+        </p:nvSpPr>
+        <p:spPr bwMode="auto">
+          <a:xfrm>
+            <a:off x="-229472" y="6297631"/>
+            <a:ext cx="2523938" cy="579438"/>
+          </a:xfrm>
+          <a:prstGeom prst="rect">
+            <a:avLst/>
+          </a:prstGeom>
+          <a:noFill/>
+          <a:ln>
+            <a:noFill/>
+          </a:ln>
+          <a:extLst>
+            <a:ext uri="{909E8E84-426E-40dd-AFC4-6F175D3DCCD1}">
+              <a14:hiddenFill xmlns:a14="http://schemas.microsoft.com/office/drawing/2010/main" xmlns="">
+                <a:solidFill>
+                  <a:srgbClr val="FFFFFF"/>
+                </a:solidFill>
+              </a14:hiddenFill>
+            </a:ext>
+            <a:ext uri="{91240B29-F687-4f45-9708-019B960494DF}">
+              <a14:hiddenLine xmlns:a14="http://schemas.microsoft.com/office/drawing/2010/main" xmlns="" w="9525">
+                <a:solidFill>
+                  <a:srgbClr val="000000"/>
+                </a:solidFill>
+                <a:miter lim="800000"/>
+                <a:headEnd/>
+                <a:tailEnd/>
+              </a14:hiddenLine>
+            </a:ext>
+          </a:extLst>
+        </p:spPr>
+        <p:txBody>
+          <a:bodyPr wrap="none"/>
+          <a:lstStyle>
+            <a:lvl1pPr eaLnBrk="0" hangingPunct="0">
+              <a:defRPr sz="2400">
+                <a:solidFill>
+                  <a:schemeClr val="tx1"/>
+                </a:solidFill>
+                <a:latin typeface="Arial" charset="0"/>
+                <a:ea typeface="ＭＳ Ｐゴシック" charset="0"/>
+                <a:cs typeface="ＭＳ Ｐゴシック" charset="0"/>
+              </a:defRPr>
+            </a:lvl1pPr>
+            <a:lvl2pPr marL="742950" indent="-285750" eaLnBrk="0" hangingPunct="0">
+              <a:defRPr sz="2400">
+                <a:solidFill>
+                  <a:schemeClr val="tx1"/>
+                </a:solidFill>
+                <a:latin typeface="Arial" charset="0"/>
+                <a:ea typeface="ＭＳ Ｐゴシック" charset="0"/>
+              </a:defRPr>
+            </a:lvl2pPr>
+            <a:lvl3pPr marL="1143000" indent="-228600" eaLnBrk="0" hangingPunct="0">
+              <a:defRPr sz="2400">
+                <a:solidFill>
+                  <a:schemeClr val="tx1"/>
+                </a:solidFill>
+                <a:latin typeface="Arial" charset="0"/>
+                <a:ea typeface="ＭＳ Ｐゴシック" charset="0"/>
+              </a:defRPr>
+            </a:lvl3pPr>
+            <a:lvl4pPr marL="1600200" indent="-228600" eaLnBrk="0" hangingPunct="0">
+              <a:defRPr sz="2400">
+                <a:solidFill>
+                  <a:schemeClr val="tx1"/>
+                </a:solidFill>
+                <a:latin typeface="Arial" charset="0"/>
+                <a:ea typeface="ＭＳ Ｐゴシック" charset="0"/>
+              </a:defRPr>
+            </a:lvl4pPr>
+            <a:lvl5pPr marL="2057400" indent="-228600" eaLnBrk="0" hangingPunct="0">
+              <a:defRPr sz="2400">
+                <a:solidFill>
+                  <a:schemeClr val="tx1"/>
+                </a:solidFill>
+                <a:latin typeface="Arial" charset="0"/>
+                <a:ea typeface="ＭＳ Ｐゴシック" charset="0"/>
+              </a:defRPr>
+            </a:lvl5pPr>
+            <a:lvl6pPr marL="2514600" indent="-228600" eaLnBrk="0" fontAlgn="base" hangingPunct="0">
+              <a:spcBef>
+                <a:spcPct val="0"/>
+              </a:spcBef>
+              <a:spcAft>
+                <a:spcPct val="0"/>
+              </a:spcAft>
+              <a:defRPr sz="2400">
+                <a:solidFill>
+                  <a:schemeClr val="tx1"/>
+                </a:solidFill>
+                <a:latin typeface="Arial" charset="0"/>
+                <a:ea typeface="ＭＳ Ｐゴシック" charset="0"/>
+              </a:defRPr>
+            </a:lvl6pPr>
+            <a:lvl7pPr marL="2971800" indent="-228600" eaLnBrk="0" fontAlgn="base" hangingPunct="0">
+              <a:spcBef>
+                <a:spcPct val="0"/>
+              </a:spcBef>
+              <a:spcAft>
+                <a:spcPct val="0"/>
+              </a:spcAft>
+              <a:defRPr sz="2400">
+                <a:solidFill>
+                  <a:schemeClr val="tx1"/>
+                </a:solidFill>
+                <a:latin typeface="Arial" charset="0"/>
+                <a:ea typeface="ＭＳ Ｐゴシック" charset="0"/>
+              </a:defRPr>
+            </a:lvl7pPr>
+            <a:lvl8pPr marL="3429000" indent="-228600" eaLnBrk="0" fontAlgn="base" hangingPunct="0">
+              <a:spcBef>
+                <a:spcPct val="0"/>
+              </a:spcBef>
+              <a:spcAft>
+                <a:spcPct val="0"/>
+              </a:spcAft>
+              <a:defRPr sz="2400">
+                <a:solidFill>
+                  <a:schemeClr val="tx1"/>
+                </a:solidFill>
+                <a:latin typeface="Arial" charset="0"/>
+                <a:ea typeface="ＭＳ Ｐゴシック" charset="0"/>
+              </a:defRPr>
+            </a:lvl8pPr>
+            <a:lvl9pPr marL="3886200" indent="-228600" eaLnBrk="0" fontAlgn="base" hangingPunct="0">
+              <a:spcBef>
+                <a:spcPct val="0"/>
+              </a:spcBef>
+              <a:spcAft>
+                <a:spcPct val="0"/>
+              </a:spcAft>
+              <a:defRPr sz="2400">
+                <a:solidFill>
+                  <a:schemeClr val="tx1"/>
+                </a:solidFill>
+                <a:latin typeface="Arial" charset="0"/>
+                <a:ea typeface="ＭＳ Ｐゴシック" charset="0"/>
+              </a:defRPr>
+            </a:lvl9pPr>
+          </a:lstStyle>
+          <a:p>
+            <a:pPr algn="ctr" eaLnBrk="1" hangingPunct="1">
+              <a:spcBef>
+                <a:spcPct val="50000"/>
+              </a:spcBef>
+            </a:pPr>
+            <a:r>
+              <a:rPr lang="en-US" sz="2800" dirty="0">
+                <a:solidFill>
+                  <a:schemeClr val="bg1"/>
+                </a:solidFill>
+                <a:latin typeface="Calibri" charset="0"/>
+                <a:ea typeface="Calibri" charset="0"/>
+                <a:cs typeface="Calibri" charset="0"/>
+              </a:rPr>
+              <a:t>08-09-2022</a:t>
             </a:r>
           </a:p>
         </p:txBody>
@@ -6982,7 +6976,7 @@
           <p:nvPr>
             <p:extLst>
               <p:ext uri="{D42A27DB-BD31-4B8C-83A1-F6EECF244321}">
-                <p14:modId xmlns:p14="http://schemas.microsoft.com/office/powerpoint/2010/main" val="3210456656"/>
+                <p14:modId xmlns:p14="http://schemas.microsoft.com/office/powerpoint/2010/main" val="2132260490"/>
               </p:ext>
             </p:extLst>
           </p:nvPr>
@@ -11008,7 +11002,7 @@
                 <a:latin typeface="Calibri" charset="0"/>
                 <a:ea typeface="ＭＳ Ｐゴシック" charset="-128"/>
               </a:rPr>
-              <a:t>Implementation</a:t>
+              <a:t>Application</a:t>
             </a:r>
           </a:p>
         </p:txBody>
@@ -11103,7 +11097,7 @@
                 <a:latin typeface="Bell MT" panose="02020503060305020303" pitchFamily="18" charset="0"/>
                 <a:hlinkClick r:id="rId2"/>
               </a:rPr>
-              <a:t>http://quantune.thepixel.men/</a:t>
+              <a:t>https://qtune.thepixel.men/</a:t>
             </a:r>
             <a:endParaRPr lang="en-US" dirty="0">
               <a:latin typeface="Bell MT" panose="02020503060305020303" pitchFamily="18" charset="0"/>
@@ -12141,6 +12135,15 @@
 </file>
 
 <file path=customXml/item1.xml><?xml version="1.0" encoding="utf-8"?>
+<?mso-contentType ?>
+<FormTemplates xmlns="http://schemas.microsoft.com/sharepoint/v3/contenttype/forms">
+  <Display>DocumentLibraryForm</Display>
+  <Edit>DocumentLibraryForm</Edit>
+  <New>DocumentLibraryForm</New>
+</FormTemplates>
+</file>
+
+<file path=customXml/item2.xml><?xml version="1.0" encoding="utf-8"?>
 <ct:contentTypeSchema xmlns:ct="http://schemas.microsoft.com/office/2006/metadata/contentType" xmlns:ma="http://schemas.microsoft.com/office/2006/metadata/properties/metaAttributes" ct:_="" ma:_="" ma:contentTypeName="Document" ma:contentTypeID="0x010100636FF39D0F714240ACF58D0A67F285E8" ma:contentTypeVersion="6" ma:contentTypeDescription="Create a new document." ma:contentTypeScope="" ma:versionID="4786ab9e629c0050ded13249b83f35f7">
   <xsd:schema xmlns:xsd="http://www.w3.org/2001/XMLSchema" xmlns:xs="http://www.w3.org/2001/XMLSchema" xmlns:p="http://schemas.microsoft.com/office/2006/metadata/properties" xmlns:ns2="394a5699-178e-487f-9bc1-a0ea9356d6f9" targetNamespace="http://schemas.microsoft.com/office/2006/metadata/properties" ma:root="true" ma:fieldsID="3bd64f3eac44b8ede9a6b6a25ed2591a" ns2:_="">
     <xsd:import namespace="394a5699-178e-487f-9bc1-a0ea9356d6f9"/>
@@ -12298,15 +12301,6 @@
 </ct:contentTypeSchema>
 </file>
 
-<file path=customXml/item2.xml><?xml version="1.0" encoding="utf-8"?>
-<?mso-contentType ?>
-<FormTemplates xmlns="http://schemas.microsoft.com/sharepoint/v3/contenttype/forms">
-  <Display>DocumentLibraryForm</Display>
-  <Edit>DocumentLibraryForm</Edit>
-  <New>DocumentLibraryForm</New>
-</FormTemplates>
-</file>
-
 <file path=customXml/item3.xml><?xml version="1.0" encoding="utf-8"?>
 <p:properties xmlns:p="http://schemas.microsoft.com/office/2006/metadata/properties" xmlns:xsi="http://www.w3.org/2001/XMLSchema-instance" xmlns:pc="http://schemas.microsoft.com/office/infopath/2007/PartnerControls">
   <documentManagement/>
@@ -12314,6 +12308,14 @@
 </file>
 
 <file path=customXml/itemProps1.xml><?xml version="1.0" encoding="utf-8"?>
+<ds:datastoreItem xmlns:ds="http://schemas.openxmlformats.org/officeDocument/2006/customXml" ds:itemID="{B3E67752-B3A0-453A-89D1-10F414F7B506}">
+  <ds:schemaRefs>
+    <ds:schemaRef ds:uri="http://schemas.microsoft.com/sharepoint/v3/contenttype/forms"/>
+  </ds:schemaRefs>
+</ds:datastoreItem>
+</file>
+
+<file path=customXml/itemProps2.xml><?xml version="1.0" encoding="utf-8"?>
 <ds:datastoreItem xmlns:ds="http://schemas.openxmlformats.org/officeDocument/2006/customXml" ds:itemID="{52A14367-5256-41A5-96FE-7379C70B8BD1}">
   <ds:schemaRefs>
     <ds:schemaRef ds:uri="http://schemas.microsoft.com/office/2006/metadata/contentType"/>
@@ -12327,14 +12329,6 @@
     <ds:schemaRef ds:uri="http://purl.org/dc/elements/1.1/"/>
     <ds:schemaRef ds:uri="http://purl.org/dc/terms/"/>
     <ds:schemaRef ds:uri="http://schemas.microsoft.com/internal/obd"/>
-  </ds:schemaRefs>
-</ds:datastoreItem>
-</file>
-
-<file path=customXml/itemProps2.xml><?xml version="1.0" encoding="utf-8"?>
-<ds:datastoreItem xmlns:ds="http://schemas.openxmlformats.org/officeDocument/2006/customXml" ds:itemID="{B3E67752-B3A0-453A-89D1-10F414F7B506}">
-  <ds:schemaRefs>
-    <ds:schemaRef ds:uri="http://schemas.microsoft.com/sharepoint/v3/contenttype/forms"/>
   </ds:schemaRefs>
 </ds:datastoreItem>
 </file>
